--- a/images/architectures.pptx
+++ b/images/architectures.pptx
@@ -245,7 +245,7 @@
           <a:p>
             <a:fld id="{8963D1AE-04B2-F147-8122-2A32BD7879DD}" type="datetimeFigureOut">
               <a:rPr lang="en-US" smtClean="0"/>
-              <a:t>6/22/23</a:t>
+              <a:t>7/8/23</a:t>
             </a:fld>
             <a:endParaRPr lang="en-US"/>
           </a:p>
@@ -1686,7 +1686,7 @@
           <a:noFill/>
           <a:ln w="12700">
             <a:solidFill>
-              <a:schemeClr val="accent5"/>
+              <a:srgbClr val="693BC5"/>
             </a:solidFill>
           </a:ln>
         </p:spPr>
@@ -1707,24 +1707,17 @@
           </a:fontRef>
         </p:style>
         <p:txBody>
-          <a:bodyPr rot="0" spcFirstLastPara="0" vertOverflow="overflow" horzOverflow="overflow" vert="horz" wrap="square" lIns="457200" tIns="91440" rIns="91440" bIns="45720" numCol="1" spcCol="0" rtlCol="0" fromWordArt="0" anchor="t" anchorCtr="0" forceAA="0" compatLnSpc="1">
-            <a:prstTxWarp prst="textNoShape">
-              <a:avLst/>
-            </a:prstTxWarp>
-            <a:noAutofit/>
-          </a:bodyPr>
+          <a:bodyPr lIns="502920" tIns="91440"/>
           <a:lstStyle/>
           <a:p>
-            <a:pPr algn="l"/>
             <a:r>
-              <a:rPr lang="en-US" sz="1000" dirty="0">
+              <a:rPr lang="en-US" sz="1200" dirty="0">
                 <a:ln w="0"/>
                 <a:solidFill>
-                  <a:schemeClr val="accent5"/>
-                </a:solidFill>
-                <a:latin typeface="Amazon Ember" panose="020B0603020204020204" pitchFamily="34" charset="0"/>
-                <a:ea typeface="Amazon Ember" panose="020B0603020204020204" pitchFamily="34" charset="0"/>
-                <a:cs typeface="Amazon Ember" panose="020B0603020204020204" pitchFamily="34" charset="0"/>
+                  <a:srgbClr val="693BC5"/>
+                </a:solidFill>
+                <a:latin typeface="Arial" panose="020B0604020202020204" pitchFamily="34" charset="0"/>
+                <a:cs typeface="Arial" panose="020B0604020202020204" pitchFamily="34" charset="0"/>
               </a:rPr>
               <a:t>VPC</a:t>
             </a:r>
@@ -1733,10 +1726,10 @@
       </p:sp>
       <p:pic>
         <p:nvPicPr>
-          <p:cNvPr id="30" name="Graphic 29">
+          <p:cNvPr id="52" name="Graphic 51">
             <a:extLst>
               <a:ext uri="{FF2B5EF4-FFF2-40B4-BE49-F238E27FC236}">
-                <a16:creationId xmlns:a16="http://schemas.microsoft.com/office/drawing/2014/main" id="{DC8E3D39-CBFC-124A-125D-B74A8E4F465D}"/>
+                <a16:creationId xmlns:a16="http://schemas.microsoft.com/office/drawing/2014/main" id="{AC0C2E63-6B28-EFE6-88BE-8B0ADC005E05}"/>
               </a:ext>
             </a:extLst>
           </p:cNvPr>
@@ -1750,42 +1743,6 @@
             <a:extLst>
               <a:ext uri="{96DAC541-7B7A-43D3-8B79-37D633B846F1}">
                 <asvg:svgBlip xmlns:asvg="http://schemas.microsoft.com/office/drawing/2016/SVG/main" r:embed="rId8"/>
-              </a:ext>
-            </a:extLst>
-          </a:blip>
-          <a:stretch>
-            <a:fillRect/>
-          </a:stretch>
-        </p:blipFill>
-        <p:spPr>
-          <a:xfrm>
-            <a:off x="959911" y="1453312"/>
-            <a:ext cx="374689" cy="374689"/>
-          </a:xfrm>
-          <a:prstGeom prst="rect">
-            <a:avLst/>
-          </a:prstGeom>
-        </p:spPr>
-      </p:pic>
-      <p:pic>
-        <p:nvPicPr>
-          <p:cNvPr id="52" name="Graphic 51">
-            <a:extLst>
-              <a:ext uri="{FF2B5EF4-FFF2-40B4-BE49-F238E27FC236}">
-                <a16:creationId xmlns:a16="http://schemas.microsoft.com/office/drawing/2014/main" id="{AC0C2E63-6B28-EFE6-88BE-8B0ADC005E05}"/>
-              </a:ext>
-            </a:extLst>
-          </p:cNvPr>
-          <p:cNvPicPr>
-            <a:picLocks noChangeAspect="1"/>
-          </p:cNvPicPr>
-          <p:nvPr/>
-        </p:nvPicPr>
-        <p:blipFill>
-          <a:blip r:embed="rId9">
-            <a:extLst>
-              <a:ext uri="{96DAC541-7B7A-43D3-8B79-37D633B846F1}">
-                <asvg:svgBlip xmlns:asvg="http://schemas.microsoft.com/office/drawing/2016/SVG/main" r:embed="rId10"/>
               </a:ext>
             </a:extLst>
           </a:blip>
@@ -2046,7 +2003,7 @@
           <p:nvPr/>
         </p:nvPicPr>
         <p:blipFill>
-          <a:blip r:embed="rId11">
+          <a:blip r:embed="rId9">
             <a:extLst>
               <a:ext uri="{28A0092B-C50C-407E-A947-70E740481C1C}">
                 <a14:useLocalDpi xmlns:a14="http://schemas.microsoft.com/office/drawing/2010/main" val="0"/>
@@ -2277,19 +2234,27 @@
               <a:gd name="adj1" fmla="val 26297"/>
             </a:avLst>
           </a:prstGeom>
+          <a:noFill/>
+          <a:ln w="12700">
+            <a:solidFill>
+              <a:srgbClr val="693BC5"/>
+            </a:solidFill>
+          </a:ln>
         </p:spPr>
         <p:style>
           <a:lnRef idx="2">
-            <a:schemeClr val="accent5"/>
+            <a:schemeClr val="accent1">
+              <a:shade val="50000"/>
+            </a:schemeClr>
           </a:lnRef>
-          <a:fillRef idx="0">
-            <a:schemeClr val="accent5"/>
+          <a:fillRef idx="1">
+            <a:schemeClr val="accent1"/>
           </a:fillRef>
-          <a:effectRef idx="1">
-            <a:schemeClr val="accent5"/>
+          <a:effectRef idx="0">
+            <a:schemeClr val="accent1"/>
           </a:effectRef>
           <a:fontRef idx="minor">
-            <a:schemeClr val="tx1"/>
+            <a:schemeClr val="lt1"/>
           </a:fontRef>
         </p:style>
       </p:cxnSp>
@@ -2446,7 +2411,7 @@
             <a:r>
               <a:rPr lang="en-US" altLang="en-US" sz="900" dirty="0">
                 <a:solidFill>
-                  <a:schemeClr val="accent5"/>
+                  <a:srgbClr val="7030A0"/>
                 </a:solidFill>
                 <a:latin typeface="Amazon Ember" panose="020B0603020204020204" pitchFamily="34" charset="0"/>
                 <a:ea typeface="Amazon Ember" panose="020B0603020204020204" pitchFamily="34" charset="0"/>
@@ -2911,7 +2876,7 @@
           <p:nvPr/>
         </p:nvPicPr>
         <p:blipFill>
-          <a:blip r:embed="rId12">
+          <a:blip r:embed="rId10">
             <a:extLst>
               <a:ext uri="{28A0092B-C50C-407E-A947-70E740481C1C}">
                 <a14:useLocalDpi xmlns:a14="http://schemas.microsoft.com/office/drawing/2010/main" val="0"/>
@@ -2971,7 +2936,7 @@
           <p:nvPr/>
         </p:nvPicPr>
         <p:blipFill>
-          <a:blip r:embed="rId12">
+          <a:blip r:embed="rId10">
             <a:extLst>
               <a:ext uri="{28A0092B-C50C-407E-A947-70E740481C1C}">
                 <a14:useLocalDpi xmlns:a14="http://schemas.microsoft.com/office/drawing/2010/main" val="0"/>
@@ -3408,7 +3373,7 @@
           <p:nvPr/>
         </p:nvPicPr>
         <p:blipFill>
-          <a:blip r:embed="rId13">
+          <a:blip r:embed="rId11">
             <a:extLst>
               <a:ext uri="{28A0092B-C50C-407E-A947-70E740481C1C}">
                 <a14:useLocalDpi xmlns:a14="http://schemas.microsoft.com/office/drawing/2010/main" val="0"/>
@@ -3468,7 +3433,7 @@
           <p:nvPr/>
         </p:nvPicPr>
         <p:blipFill>
-          <a:blip r:embed="rId14">
+          <a:blip r:embed="rId12">
             <a:extLst>
               <a:ext uri="{28A0092B-C50C-407E-A947-70E740481C1C}">
                 <a14:useLocalDpi xmlns:a14="http://schemas.microsoft.com/office/drawing/2010/main" val="0"/>
@@ -3665,7 +3630,7 @@
           <p:nvPr/>
         </p:nvPicPr>
         <p:blipFill>
-          <a:blip r:embed="rId14">
+          <a:blip r:embed="rId12">
             <a:extLst>
               <a:ext uri="{28A0092B-C50C-407E-A947-70E740481C1C}">
                 <a14:useLocalDpi xmlns:a14="http://schemas.microsoft.com/office/drawing/2010/main" val="0"/>
@@ -3969,10 +3934,10 @@
           <p:nvPr/>
         </p:nvPicPr>
         <p:blipFill>
-          <a:blip r:embed="rId9">
+          <a:blip r:embed="rId7">
             <a:extLst>
               <a:ext uri="{96DAC541-7B7A-43D3-8B79-37D633B846F1}">
-                <asvg:svgBlip xmlns:asvg="http://schemas.microsoft.com/office/drawing/2016/SVG/main" r:embed="rId10"/>
+                <asvg:svgBlip xmlns:asvg="http://schemas.microsoft.com/office/drawing/2016/SVG/main" r:embed="rId8"/>
               </a:ext>
             </a:extLst>
           </a:blip>
@@ -4005,7 +3970,7 @@
           <p:nvPr/>
         </p:nvPicPr>
         <p:blipFill>
-          <a:blip r:embed="rId15">
+          <a:blip r:embed="rId13">
             <a:extLst>
               <a:ext uri="{28A0092B-C50C-407E-A947-70E740481C1C}">
                 <a14:useLocalDpi xmlns:a14="http://schemas.microsoft.com/office/drawing/2010/main" val="0"/>
@@ -4389,7 +4354,7 @@
           <a:noFill/>
           <a:ln w="12700">
             <a:solidFill>
-              <a:schemeClr val="accent5"/>
+              <a:srgbClr val="693BC5"/>
             </a:solidFill>
           </a:ln>
         </p:spPr>
@@ -4410,24 +4375,17 @@
           </a:fontRef>
         </p:style>
         <p:txBody>
-          <a:bodyPr rot="0" spcFirstLastPara="0" vertOverflow="overflow" horzOverflow="overflow" vert="horz" wrap="square" lIns="457200" tIns="91440" rIns="91440" bIns="45720" numCol="1" spcCol="0" rtlCol="0" fromWordArt="0" anchor="t" anchorCtr="0" forceAA="0" compatLnSpc="1">
-            <a:prstTxWarp prst="textNoShape">
-              <a:avLst/>
-            </a:prstTxWarp>
-            <a:noAutofit/>
-          </a:bodyPr>
+          <a:bodyPr lIns="502920" tIns="91440"/>
           <a:lstStyle/>
           <a:p>
-            <a:pPr algn="l"/>
             <a:r>
-              <a:rPr lang="en-US" sz="1000" dirty="0">
+              <a:rPr lang="en-US" sz="1200" dirty="0">
                 <a:ln w="0"/>
                 <a:solidFill>
-                  <a:schemeClr val="accent5"/>
-                </a:solidFill>
-                <a:latin typeface="Amazon Ember" panose="020B0603020204020204" pitchFamily="34" charset="0"/>
-                <a:ea typeface="Amazon Ember" panose="020B0603020204020204" pitchFamily="34" charset="0"/>
-                <a:cs typeface="Amazon Ember" panose="020B0603020204020204" pitchFamily="34" charset="0"/>
+                  <a:srgbClr val="693BC5"/>
+                </a:solidFill>
+                <a:latin typeface="Arial" panose="020B0604020202020204" pitchFamily="34" charset="0"/>
+                <a:cs typeface="Arial" panose="020B0604020202020204" pitchFamily="34" charset="0"/>
               </a:rPr>
               <a:t>VPC</a:t>
             </a:r>
@@ -4436,10 +4394,10 @@
       </p:sp>
       <p:pic>
         <p:nvPicPr>
-          <p:cNvPr id="51" name="Graphic 50">
+          <p:cNvPr id="56" name="Graphic 55">
             <a:extLst>
               <a:ext uri="{FF2B5EF4-FFF2-40B4-BE49-F238E27FC236}">
-                <a16:creationId xmlns:a16="http://schemas.microsoft.com/office/drawing/2014/main" id="{B5E6A652-B3A6-9DA6-377F-747F8739EE56}"/>
+                <a16:creationId xmlns:a16="http://schemas.microsoft.com/office/drawing/2014/main" id="{9090A6CC-45B9-498F-2979-A33EE9E4842D}"/>
               </a:ext>
             </a:extLst>
           </p:cNvPr>
@@ -4453,42 +4411,6 @@
             <a:extLst>
               <a:ext uri="{96DAC541-7B7A-43D3-8B79-37D633B846F1}">
                 <asvg:svgBlip xmlns:asvg="http://schemas.microsoft.com/office/drawing/2016/SVG/main" r:embed="rId8"/>
-              </a:ext>
-            </a:extLst>
-          </a:blip>
-          <a:stretch>
-            <a:fillRect/>
-          </a:stretch>
-        </p:blipFill>
-        <p:spPr>
-          <a:xfrm>
-            <a:off x="959554" y="3681958"/>
-            <a:ext cx="374689" cy="374689"/>
-          </a:xfrm>
-          <a:prstGeom prst="rect">
-            <a:avLst/>
-          </a:prstGeom>
-        </p:spPr>
-      </p:pic>
-      <p:pic>
-        <p:nvPicPr>
-          <p:cNvPr id="56" name="Graphic 55">
-            <a:extLst>
-              <a:ext uri="{FF2B5EF4-FFF2-40B4-BE49-F238E27FC236}">
-                <a16:creationId xmlns:a16="http://schemas.microsoft.com/office/drawing/2014/main" id="{9090A6CC-45B9-498F-2979-A33EE9E4842D}"/>
-              </a:ext>
-            </a:extLst>
-          </p:cNvPr>
-          <p:cNvPicPr>
-            <a:picLocks noChangeAspect="1"/>
-          </p:cNvPicPr>
-          <p:nvPr/>
-        </p:nvPicPr>
-        <p:blipFill>
-          <a:blip r:embed="rId9">
-            <a:extLst>
-              <a:ext uri="{96DAC541-7B7A-43D3-8B79-37D633B846F1}">
-                <asvg:svgBlip xmlns:asvg="http://schemas.microsoft.com/office/drawing/2016/SVG/main" r:embed="rId10"/>
               </a:ext>
             </a:extLst>
           </a:blip>
@@ -4965,7 +4887,7 @@
           <p:nvPr/>
         </p:nvPicPr>
         <p:blipFill>
-          <a:blip r:embed="rId13">
+          <a:blip r:embed="rId11">
             <a:extLst>
               <a:ext uri="{28A0092B-C50C-407E-A947-70E740481C1C}">
                 <a14:useLocalDpi xmlns:a14="http://schemas.microsoft.com/office/drawing/2010/main" val="0"/>
@@ -5025,10 +4947,10 @@
           <p:nvPr/>
         </p:nvPicPr>
         <p:blipFill>
-          <a:blip r:embed="rId9">
+          <a:blip r:embed="rId7">
             <a:extLst>
               <a:ext uri="{96DAC541-7B7A-43D3-8B79-37D633B846F1}">
-                <asvg:svgBlip xmlns:asvg="http://schemas.microsoft.com/office/drawing/2016/SVG/main" r:embed="rId10"/>
+                <asvg:svgBlip xmlns:asvg="http://schemas.microsoft.com/office/drawing/2016/SVG/main" r:embed="rId8"/>
               </a:ext>
             </a:extLst>
           </a:blip>
@@ -5061,7 +4983,7 @@
           <p:nvPr/>
         </p:nvPicPr>
         <p:blipFill>
-          <a:blip r:embed="rId15">
+          <a:blip r:embed="rId13">
             <a:extLst>
               <a:ext uri="{28A0092B-C50C-407E-A947-70E740481C1C}">
                 <a14:useLocalDpi xmlns:a14="http://schemas.microsoft.com/office/drawing/2010/main" val="0"/>
@@ -5304,19 +5226,27 @@
               <a:gd name="adj1" fmla="val 26302"/>
             </a:avLst>
           </a:prstGeom>
+          <a:noFill/>
+          <a:ln w="12700">
+            <a:solidFill>
+              <a:srgbClr val="693BC5"/>
+            </a:solidFill>
+          </a:ln>
         </p:spPr>
         <p:style>
           <a:lnRef idx="2">
-            <a:schemeClr val="accent5"/>
+            <a:schemeClr val="accent1">
+              <a:shade val="50000"/>
+            </a:schemeClr>
           </a:lnRef>
-          <a:fillRef idx="0">
-            <a:schemeClr val="accent5"/>
+          <a:fillRef idx="1">
+            <a:schemeClr val="accent1"/>
           </a:fillRef>
-          <a:effectRef idx="1">
-            <a:schemeClr val="accent5"/>
+          <a:effectRef idx="0">
+            <a:schemeClr val="accent1"/>
           </a:effectRef>
           <a:fontRef idx="minor">
-            <a:schemeClr val="tx1"/>
+            <a:schemeClr val="lt1"/>
           </a:fontRef>
         </p:style>
       </p:cxnSp>
@@ -5473,7 +5403,7 @@
             <a:r>
               <a:rPr lang="en-US" altLang="en-US" sz="900" dirty="0">
                 <a:solidFill>
-                  <a:schemeClr val="accent5"/>
+                  <a:srgbClr val="7030A0"/>
                 </a:solidFill>
                 <a:latin typeface="Amazon Ember" panose="020B0603020204020204" pitchFamily="34" charset="0"/>
                 <a:ea typeface="Amazon Ember" panose="020B0603020204020204" pitchFamily="34" charset="0"/>
@@ -5484,6 +5414,76 @@
           </a:p>
         </p:txBody>
       </p:sp>
+      <p:pic>
+        <p:nvPicPr>
+          <p:cNvPr id="8" name="Graphic 7">
+            <a:extLst>
+              <a:ext uri="{FF2B5EF4-FFF2-40B4-BE49-F238E27FC236}">
+                <a16:creationId xmlns:a16="http://schemas.microsoft.com/office/drawing/2014/main" id="{E3999522-33F3-0707-0864-8D0C0512B671}"/>
+              </a:ext>
+            </a:extLst>
+          </p:cNvPr>
+          <p:cNvPicPr>
+            <a:picLocks noChangeAspect="1"/>
+          </p:cNvPicPr>
+          <p:nvPr/>
+        </p:nvPicPr>
+        <p:blipFill>
+          <a:blip r:embed="rId14">
+            <a:extLst>
+              <a:ext uri="{96DAC541-7B7A-43D3-8B79-37D633B846F1}">
+                <asvg:svgBlip xmlns:asvg="http://schemas.microsoft.com/office/drawing/2016/SVG/main" r:embed="rId15"/>
+              </a:ext>
+            </a:extLst>
+          </a:blip>
+          <a:srcRect/>
+          <a:stretch/>
+        </p:blipFill>
+        <p:spPr>
+          <a:xfrm>
+            <a:off x="967349" y="1450716"/>
+            <a:ext cx="381000" cy="381000"/>
+          </a:xfrm>
+          <a:prstGeom prst="rect">
+            <a:avLst/>
+          </a:prstGeom>
+        </p:spPr>
+      </p:pic>
+      <p:pic>
+        <p:nvPicPr>
+          <p:cNvPr id="11" name="Graphic 10">
+            <a:extLst>
+              <a:ext uri="{FF2B5EF4-FFF2-40B4-BE49-F238E27FC236}">
+                <a16:creationId xmlns:a16="http://schemas.microsoft.com/office/drawing/2014/main" id="{223CEA6F-019C-59FD-5FF6-0B10402411B7}"/>
+              </a:ext>
+            </a:extLst>
+          </p:cNvPr>
+          <p:cNvPicPr>
+            <a:picLocks noChangeAspect="1"/>
+          </p:cNvPicPr>
+          <p:nvPr/>
+        </p:nvPicPr>
+        <p:blipFill>
+          <a:blip r:embed="rId14">
+            <a:extLst>
+              <a:ext uri="{96DAC541-7B7A-43D3-8B79-37D633B846F1}">
+                <asvg:svgBlip xmlns:asvg="http://schemas.microsoft.com/office/drawing/2016/SVG/main" r:embed="rId15"/>
+              </a:ext>
+            </a:extLst>
+          </a:blip>
+          <a:srcRect/>
+          <a:stretch/>
+        </p:blipFill>
+        <p:spPr>
+          <a:xfrm>
+            <a:off x="969432" y="3677898"/>
+            <a:ext cx="381000" cy="381000"/>
+          </a:xfrm>
+          <a:prstGeom prst="rect">
+            <a:avLst/>
+          </a:prstGeom>
+        </p:spPr>
+      </p:pic>
     </p:spTree>
     <p:extLst>
       <p:ext uri="{BB962C8B-B14F-4D97-AF65-F5344CB8AC3E}">
@@ -5890,7 +5890,7 @@
           <a:noFill/>
           <a:ln w="12700">
             <a:solidFill>
-              <a:schemeClr val="accent5"/>
+              <a:srgbClr val="693BC5"/>
             </a:solidFill>
           </a:ln>
         </p:spPr>
@@ -5911,24 +5911,17 @@
           </a:fontRef>
         </p:style>
         <p:txBody>
-          <a:bodyPr rot="0" spcFirstLastPara="0" vertOverflow="overflow" horzOverflow="overflow" vert="horz" wrap="square" lIns="457200" tIns="91440" rIns="91440" bIns="45720" numCol="1" spcCol="0" rtlCol="0" fromWordArt="0" anchor="t" anchorCtr="0" forceAA="0" compatLnSpc="1">
-            <a:prstTxWarp prst="textNoShape">
-              <a:avLst/>
-            </a:prstTxWarp>
-            <a:noAutofit/>
-          </a:bodyPr>
+          <a:bodyPr lIns="502920" tIns="91440"/>
           <a:lstStyle/>
           <a:p>
-            <a:pPr algn="l"/>
             <a:r>
-              <a:rPr lang="en-US" sz="1000" dirty="0">
+              <a:rPr lang="en-US" sz="1200" dirty="0">
                 <a:ln w="0"/>
                 <a:solidFill>
-                  <a:schemeClr val="accent5"/>
-                </a:solidFill>
-                <a:latin typeface="Amazon Ember" panose="020B0603020204020204" pitchFamily="34" charset="0"/>
-                <a:ea typeface="Amazon Ember" panose="020B0603020204020204" pitchFamily="34" charset="0"/>
-                <a:cs typeface="Amazon Ember" panose="020B0603020204020204" pitchFamily="34" charset="0"/>
+                  <a:srgbClr val="693BC5"/>
+                </a:solidFill>
+                <a:latin typeface="Arial" panose="020B0604020202020204" pitchFamily="34" charset="0"/>
+                <a:cs typeface="Arial" panose="020B0604020202020204" pitchFamily="34" charset="0"/>
               </a:rPr>
               <a:t>VPC</a:t>
             </a:r>
@@ -5937,10 +5930,10 @@
       </p:sp>
       <p:pic>
         <p:nvPicPr>
-          <p:cNvPr id="30" name="Graphic 29">
+          <p:cNvPr id="52" name="Graphic 51">
             <a:extLst>
               <a:ext uri="{FF2B5EF4-FFF2-40B4-BE49-F238E27FC236}">
-                <a16:creationId xmlns:a16="http://schemas.microsoft.com/office/drawing/2014/main" id="{DC8E3D39-CBFC-124A-125D-B74A8E4F465D}"/>
+                <a16:creationId xmlns:a16="http://schemas.microsoft.com/office/drawing/2014/main" id="{AC0C2E63-6B28-EFE6-88BE-8B0ADC005E05}"/>
               </a:ext>
             </a:extLst>
           </p:cNvPr>
@@ -5954,42 +5947,6 @@
             <a:extLst>
               <a:ext uri="{96DAC541-7B7A-43D3-8B79-37D633B846F1}">
                 <asvg:svgBlip xmlns:asvg="http://schemas.microsoft.com/office/drawing/2016/SVG/main" r:embed="rId8"/>
-              </a:ext>
-            </a:extLst>
-          </a:blip>
-          <a:stretch>
-            <a:fillRect/>
-          </a:stretch>
-        </p:blipFill>
-        <p:spPr>
-          <a:xfrm>
-            <a:off x="959911" y="1453312"/>
-            <a:ext cx="374689" cy="374689"/>
-          </a:xfrm>
-          <a:prstGeom prst="rect">
-            <a:avLst/>
-          </a:prstGeom>
-        </p:spPr>
-      </p:pic>
-      <p:pic>
-        <p:nvPicPr>
-          <p:cNvPr id="52" name="Graphic 51">
-            <a:extLst>
-              <a:ext uri="{FF2B5EF4-FFF2-40B4-BE49-F238E27FC236}">
-                <a16:creationId xmlns:a16="http://schemas.microsoft.com/office/drawing/2014/main" id="{AC0C2E63-6B28-EFE6-88BE-8B0ADC005E05}"/>
-              </a:ext>
-            </a:extLst>
-          </p:cNvPr>
-          <p:cNvPicPr>
-            <a:picLocks noChangeAspect="1"/>
-          </p:cNvPicPr>
-          <p:nvPr/>
-        </p:nvPicPr>
-        <p:blipFill>
-          <a:blip r:embed="rId9">
-            <a:extLst>
-              <a:ext uri="{96DAC541-7B7A-43D3-8B79-37D633B846F1}">
-                <asvg:svgBlip xmlns:asvg="http://schemas.microsoft.com/office/drawing/2016/SVG/main" r:embed="rId10"/>
               </a:ext>
             </a:extLst>
           </a:blip>
@@ -6250,7 +6207,7 @@
           <p:nvPr/>
         </p:nvPicPr>
         <p:blipFill>
-          <a:blip r:embed="rId11">
+          <a:blip r:embed="rId9">
             <a:extLst>
               <a:ext uri="{28A0092B-C50C-407E-A947-70E740481C1C}">
                 <a14:useLocalDpi xmlns:a14="http://schemas.microsoft.com/office/drawing/2010/main" val="0"/>
@@ -6480,19 +6437,27 @@
           <a:prstGeom prst="straightConnector1">
             <a:avLst/>
           </a:prstGeom>
+          <a:noFill/>
+          <a:ln w="12700">
+            <a:solidFill>
+              <a:srgbClr val="693BC5"/>
+            </a:solidFill>
+          </a:ln>
         </p:spPr>
         <p:style>
           <a:lnRef idx="2">
-            <a:schemeClr val="accent5"/>
+            <a:schemeClr val="accent1">
+              <a:shade val="50000"/>
+            </a:schemeClr>
           </a:lnRef>
-          <a:fillRef idx="0">
-            <a:schemeClr val="accent5"/>
+          <a:fillRef idx="1">
+            <a:schemeClr val="accent1"/>
           </a:fillRef>
-          <a:effectRef idx="1">
-            <a:schemeClr val="accent5"/>
+          <a:effectRef idx="0">
+            <a:schemeClr val="accent1"/>
           </a:effectRef>
           <a:fontRef idx="minor">
-            <a:schemeClr val="tx1"/>
+            <a:schemeClr val="lt1"/>
           </a:fontRef>
         </p:style>
       </p:cxnSp>
@@ -6512,7 +6477,7 @@
         </p:nvSpPr>
         <p:spPr bwMode="auto">
           <a:xfrm>
-            <a:off x="4479359" y="2151476"/>
+            <a:off x="4432320" y="1528016"/>
             <a:ext cx="833785" cy="369332"/>
           </a:xfrm>
           <a:prstGeom prst="rect">
@@ -7114,7 +7079,7 @@
           <p:nvPr/>
         </p:nvPicPr>
         <p:blipFill>
-          <a:blip r:embed="rId12">
+          <a:blip r:embed="rId10">
             <a:extLst>
               <a:ext uri="{28A0092B-C50C-407E-A947-70E740481C1C}">
                 <a14:useLocalDpi xmlns:a14="http://schemas.microsoft.com/office/drawing/2010/main" val="0"/>
@@ -7174,7 +7139,7 @@
           <p:nvPr/>
         </p:nvPicPr>
         <p:blipFill>
-          <a:blip r:embed="rId12">
+          <a:blip r:embed="rId10">
             <a:extLst>
               <a:ext uri="{28A0092B-C50C-407E-A947-70E740481C1C}">
                 <a14:useLocalDpi xmlns:a14="http://schemas.microsoft.com/office/drawing/2010/main" val="0"/>
@@ -7611,7 +7576,7 @@
           <p:nvPr/>
         </p:nvPicPr>
         <p:blipFill>
-          <a:blip r:embed="rId13">
+          <a:blip r:embed="rId11">
             <a:extLst>
               <a:ext uri="{28A0092B-C50C-407E-A947-70E740481C1C}">
                 <a14:useLocalDpi xmlns:a14="http://schemas.microsoft.com/office/drawing/2010/main" val="0"/>
@@ -7671,7 +7636,7 @@
           <p:nvPr/>
         </p:nvPicPr>
         <p:blipFill>
-          <a:blip r:embed="rId14">
+          <a:blip r:embed="rId12">
             <a:extLst>
               <a:ext uri="{28A0092B-C50C-407E-A947-70E740481C1C}">
                 <a14:useLocalDpi xmlns:a14="http://schemas.microsoft.com/office/drawing/2010/main" val="0"/>
@@ -7976,10 +7941,10 @@
           <p:nvPr/>
         </p:nvPicPr>
         <p:blipFill>
-          <a:blip r:embed="rId9">
+          <a:blip r:embed="rId7">
             <a:extLst>
               <a:ext uri="{96DAC541-7B7A-43D3-8B79-37D633B846F1}">
-                <asvg:svgBlip xmlns:asvg="http://schemas.microsoft.com/office/drawing/2016/SVG/main" r:embed="rId10"/>
+                <asvg:svgBlip xmlns:asvg="http://schemas.microsoft.com/office/drawing/2016/SVG/main" r:embed="rId8"/>
               </a:ext>
             </a:extLst>
           </a:blip>
@@ -8012,7 +7977,7 @@
           <p:nvPr/>
         </p:nvPicPr>
         <p:blipFill>
-          <a:blip r:embed="rId15">
+          <a:blip r:embed="rId13">
             <a:extLst>
               <a:ext uri="{28A0092B-C50C-407E-A947-70E740481C1C}">
                 <a14:useLocalDpi xmlns:a14="http://schemas.microsoft.com/office/drawing/2010/main" val="0"/>
@@ -8396,7 +8361,7 @@
           <a:noFill/>
           <a:ln w="12700">
             <a:solidFill>
-              <a:schemeClr val="accent5"/>
+              <a:srgbClr val="693BC5"/>
             </a:solidFill>
           </a:ln>
         </p:spPr>
@@ -8417,24 +8382,17 @@
           </a:fontRef>
         </p:style>
         <p:txBody>
-          <a:bodyPr rot="0" spcFirstLastPara="0" vertOverflow="overflow" horzOverflow="overflow" vert="horz" wrap="square" lIns="457200" tIns="91440" rIns="91440" bIns="45720" numCol="1" spcCol="0" rtlCol="0" fromWordArt="0" anchor="t" anchorCtr="0" forceAA="0" compatLnSpc="1">
-            <a:prstTxWarp prst="textNoShape">
-              <a:avLst/>
-            </a:prstTxWarp>
-            <a:noAutofit/>
-          </a:bodyPr>
+          <a:bodyPr lIns="502920" tIns="91440"/>
           <a:lstStyle/>
           <a:p>
-            <a:pPr algn="l"/>
             <a:r>
-              <a:rPr lang="en-US" sz="1000" dirty="0">
+              <a:rPr lang="en-US" sz="1200" dirty="0">
                 <a:ln w="0"/>
                 <a:solidFill>
-                  <a:schemeClr val="accent5"/>
-                </a:solidFill>
-                <a:latin typeface="Amazon Ember" panose="020B0603020204020204" pitchFamily="34" charset="0"/>
-                <a:ea typeface="Amazon Ember" panose="020B0603020204020204" pitchFamily="34" charset="0"/>
-                <a:cs typeface="Amazon Ember" panose="020B0603020204020204" pitchFamily="34" charset="0"/>
+                  <a:srgbClr val="693BC5"/>
+                </a:solidFill>
+                <a:latin typeface="Arial" panose="020B0604020202020204" pitchFamily="34" charset="0"/>
+                <a:cs typeface="Arial" panose="020B0604020202020204" pitchFamily="34" charset="0"/>
               </a:rPr>
               <a:t>VPC</a:t>
             </a:r>
@@ -8443,10 +8401,10 @@
       </p:sp>
       <p:pic>
         <p:nvPicPr>
-          <p:cNvPr id="51" name="Graphic 50">
+          <p:cNvPr id="56" name="Graphic 55">
             <a:extLst>
               <a:ext uri="{FF2B5EF4-FFF2-40B4-BE49-F238E27FC236}">
-                <a16:creationId xmlns:a16="http://schemas.microsoft.com/office/drawing/2014/main" id="{B5E6A652-B3A6-9DA6-377F-747F8739EE56}"/>
+                <a16:creationId xmlns:a16="http://schemas.microsoft.com/office/drawing/2014/main" id="{9090A6CC-45B9-498F-2979-A33EE9E4842D}"/>
               </a:ext>
             </a:extLst>
           </p:cNvPr>
@@ -8460,42 +8418,6 @@
             <a:extLst>
               <a:ext uri="{96DAC541-7B7A-43D3-8B79-37D633B846F1}">
                 <asvg:svgBlip xmlns:asvg="http://schemas.microsoft.com/office/drawing/2016/SVG/main" r:embed="rId8"/>
-              </a:ext>
-            </a:extLst>
-          </a:blip>
-          <a:stretch>
-            <a:fillRect/>
-          </a:stretch>
-        </p:blipFill>
-        <p:spPr>
-          <a:xfrm>
-            <a:off x="959554" y="3681958"/>
-            <a:ext cx="374689" cy="374689"/>
-          </a:xfrm>
-          <a:prstGeom prst="rect">
-            <a:avLst/>
-          </a:prstGeom>
-        </p:spPr>
-      </p:pic>
-      <p:pic>
-        <p:nvPicPr>
-          <p:cNvPr id="56" name="Graphic 55">
-            <a:extLst>
-              <a:ext uri="{FF2B5EF4-FFF2-40B4-BE49-F238E27FC236}">
-                <a16:creationId xmlns:a16="http://schemas.microsoft.com/office/drawing/2014/main" id="{9090A6CC-45B9-498F-2979-A33EE9E4842D}"/>
-              </a:ext>
-            </a:extLst>
-          </p:cNvPr>
-          <p:cNvPicPr>
-            <a:picLocks noChangeAspect="1"/>
-          </p:cNvPicPr>
-          <p:nvPr/>
-        </p:nvPicPr>
-        <p:blipFill>
-          <a:blip r:embed="rId9">
-            <a:extLst>
-              <a:ext uri="{96DAC541-7B7A-43D3-8B79-37D633B846F1}">
-                <asvg:svgBlip xmlns:asvg="http://schemas.microsoft.com/office/drawing/2016/SVG/main" r:embed="rId10"/>
               </a:ext>
             </a:extLst>
           </a:blip>
@@ -8972,7 +8894,7 @@
           <p:nvPr/>
         </p:nvPicPr>
         <p:blipFill>
-          <a:blip r:embed="rId13">
+          <a:blip r:embed="rId11">
             <a:extLst>
               <a:ext uri="{28A0092B-C50C-407E-A947-70E740481C1C}">
                 <a14:useLocalDpi xmlns:a14="http://schemas.microsoft.com/office/drawing/2010/main" val="0"/>
@@ -9032,10 +8954,10 @@
           <p:nvPr/>
         </p:nvPicPr>
         <p:blipFill>
-          <a:blip r:embed="rId9">
+          <a:blip r:embed="rId7">
             <a:extLst>
               <a:ext uri="{96DAC541-7B7A-43D3-8B79-37D633B846F1}">
-                <asvg:svgBlip xmlns:asvg="http://schemas.microsoft.com/office/drawing/2016/SVG/main" r:embed="rId10"/>
+                <asvg:svgBlip xmlns:asvg="http://schemas.microsoft.com/office/drawing/2016/SVG/main" r:embed="rId8"/>
               </a:ext>
             </a:extLst>
           </a:blip>
@@ -9068,7 +8990,7 @@
           <p:nvPr/>
         </p:nvPicPr>
         <p:blipFill>
-          <a:blip r:embed="rId15">
+          <a:blip r:embed="rId13">
             <a:extLst>
               <a:ext uri="{28A0092B-C50C-407E-A947-70E740481C1C}">
                 <a14:useLocalDpi xmlns:a14="http://schemas.microsoft.com/office/drawing/2010/main" val="0"/>
@@ -9300,7 +9222,7 @@
           <p:nvPr/>
         </p:nvPicPr>
         <p:blipFill>
-          <a:blip r:embed="rId14">
+          <a:blip r:embed="rId12">
             <a:extLst>
               <a:ext uri="{28A0092B-C50C-407E-A947-70E740481C1C}">
                 <a14:useLocalDpi xmlns:a14="http://schemas.microsoft.com/office/drawing/2010/main" val="0"/>
@@ -9506,186 +9428,30 @@
           <a:prstGeom prst="straightConnector1">
             <a:avLst/>
           </a:prstGeom>
+          <a:noFill/>
+          <a:ln w="12700">
+            <a:solidFill>
+              <a:srgbClr val="693BC5"/>
+            </a:solidFill>
+          </a:ln>
         </p:spPr>
         <p:style>
           <a:lnRef idx="2">
-            <a:schemeClr val="accent5"/>
+            <a:schemeClr val="accent1">
+              <a:shade val="50000"/>
+            </a:schemeClr>
           </a:lnRef>
-          <a:fillRef idx="0">
-            <a:schemeClr val="accent5"/>
+          <a:fillRef idx="1">
+            <a:schemeClr val="accent1"/>
           </a:fillRef>
-          <a:effectRef idx="1">
-            <a:schemeClr val="accent5"/>
+          <a:effectRef idx="0">
+            <a:schemeClr val="accent1"/>
           </a:effectRef>
           <a:fontRef idx="minor">
-            <a:schemeClr val="tx1"/>
+            <a:schemeClr val="lt1"/>
           </a:fontRef>
         </p:style>
       </p:cxnSp>
-      <p:sp>
-        <p:nvSpPr>
-          <p:cNvPr id="17" name="TextBox 26">
-            <a:extLst>
-              <a:ext uri="{FF2B5EF4-FFF2-40B4-BE49-F238E27FC236}">
-                <a16:creationId xmlns:a16="http://schemas.microsoft.com/office/drawing/2014/main" id="{B432B0D6-8F73-C747-A727-B93EB87F907B}"/>
-              </a:ext>
-            </a:extLst>
-          </p:cNvPr>
-          <p:cNvSpPr txBox="1">
-            <a:spLocks noChangeArrowheads="1"/>
-          </p:cNvSpPr>
-          <p:nvPr/>
-        </p:nvSpPr>
-        <p:spPr bwMode="auto">
-          <a:xfrm>
-            <a:off x="4449554" y="4382758"/>
-            <a:ext cx="833785" cy="369332"/>
-          </a:xfrm>
-          <a:prstGeom prst="rect">
-            <a:avLst/>
-          </a:prstGeom>
-          <a:noFill/>
-          <a:ln>
-            <a:noFill/>
-          </a:ln>
-          <a:extLst>
-            <a:ext uri="{909E8E84-426E-40DD-AFC4-6F175D3DCCD1}">
-              <a14:hiddenFill xmlns:a14="http://schemas.microsoft.com/office/drawing/2010/main">
-                <a:solidFill>
-                  <a:srgbClr val="FFFFFF"/>
-                </a:solidFill>
-              </a14:hiddenFill>
-            </a:ext>
-            <a:ext uri="{91240B29-F687-4F45-9708-019B960494DF}">
-              <a14:hiddenLine xmlns:a14="http://schemas.microsoft.com/office/drawing/2010/main" w="9525">
-                <a:solidFill>
-                  <a:srgbClr val="000000"/>
-                </a:solidFill>
-                <a:miter lim="800000"/>
-                <a:headEnd/>
-                <a:tailEnd/>
-              </a14:hiddenLine>
-            </a:ext>
-          </a:extLst>
-        </p:spPr>
-        <p:txBody>
-          <a:bodyPr wrap="square">
-            <a:spAutoFit/>
-          </a:bodyPr>
-          <a:lstStyle>
-            <a:lvl1pPr>
-              <a:defRPr>
-                <a:solidFill>
-                  <a:schemeClr val="tx1"/>
-                </a:solidFill>
-                <a:latin typeface="Calibri" panose="020F0502020204030204" pitchFamily="34" charset="0"/>
-              </a:defRPr>
-            </a:lvl1pPr>
-            <a:lvl2pPr marL="742950" indent="-285750">
-              <a:defRPr>
-                <a:solidFill>
-                  <a:schemeClr val="tx1"/>
-                </a:solidFill>
-                <a:latin typeface="Calibri" panose="020F0502020204030204" pitchFamily="34" charset="0"/>
-              </a:defRPr>
-            </a:lvl2pPr>
-            <a:lvl3pPr marL="1143000" indent="-228600">
-              <a:defRPr>
-                <a:solidFill>
-                  <a:schemeClr val="tx1"/>
-                </a:solidFill>
-                <a:latin typeface="Calibri" panose="020F0502020204030204" pitchFamily="34" charset="0"/>
-              </a:defRPr>
-            </a:lvl3pPr>
-            <a:lvl4pPr marL="1600200" indent="-228600">
-              <a:defRPr>
-                <a:solidFill>
-                  <a:schemeClr val="tx1"/>
-                </a:solidFill>
-                <a:latin typeface="Calibri" panose="020F0502020204030204" pitchFamily="34" charset="0"/>
-              </a:defRPr>
-            </a:lvl4pPr>
-            <a:lvl5pPr marL="2057400" indent="-228600">
-              <a:defRPr>
-                <a:solidFill>
-                  <a:schemeClr val="tx1"/>
-                </a:solidFill>
-                <a:latin typeface="Calibri" panose="020F0502020204030204" pitchFamily="34" charset="0"/>
-              </a:defRPr>
-            </a:lvl5pPr>
-            <a:lvl6pPr marL="2514600" indent="-228600" eaLnBrk="0" fontAlgn="base" hangingPunct="0">
-              <a:spcBef>
-                <a:spcPct val="0"/>
-              </a:spcBef>
-              <a:spcAft>
-                <a:spcPct val="0"/>
-              </a:spcAft>
-              <a:defRPr>
-                <a:solidFill>
-                  <a:schemeClr val="tx1"/>
-                </a:solidFill>
-                <a:latin typeface="Calibri" panose="020F0502020204030204" pitchFamily="34" charset="0"/>
-              </a:defRPr>
-            </a:lvl6pPr>
-            <a:lvl7pPr marL="2971800" indent="-228600" eaLnBrk="0" fontAlgn="base" hangingPunct="0">
-              <a:spcBef>
-                <a:spcPct val="0"/>
-              </a:spcBef>
-              <a:spcAft>
-                <a:spcPct val="0"/>
-              </a:spcAft>
-              <a:defRPr>
-                <a:solidFill>
-                  <a:schemeClr val="tx1"/>
-                </a:solidFill>
-                <a:latin typeface="Calibri" panose="020F0502020204030204" pitchFamily="34" charset="0"/>
-              </a:defRPr>
-            </a:lvl7pPr>
-            <a:lvl8pPr marL="3429000" indent="-228600" eaLnBrk="0" fontAlgn="base" hangingPunct="0">
-              <a:spcBef>
-                <a:spcPct val="0"/>
-              </a:spcBef>
-              <a:spcAft>
-                <a:spcPct val="0"/>
-              </a:spcAft>
-              <a:defRPr>
-                <a:solidFill>
-                  <a:schemeClr val="tx1"/>
-                </a:solidFill>
-                <a:latin typeface="Calibri" panose="020F0502020204030204" pitchFamily="34" charset="0"/>
-              </a:defRPr>
-            </a:lvl8pPr>
-            <a:lvl9pPr marL="3886200" indent="-228600" eaLnBrk="0" fontAlgn="base" hangingPunct="0">
-              <a:spcBef>
-                <a:spcPct val="0"/>
-              </a:spcBef>
-              <a:spcAft>
-                <a:spcPct val="0"/>
-              </a:spcAft>
-              <a:defRPr>
-                <a:solidFill>
-                  <a:schemeClr val="tx1"/>
-                </a:solidFill>
-                <a:latin typeface="Calibri" panose="020F0502020204030204" pitchFamily="34" charset="0"/>
-              </a:defRPr>
-            </a:lvl9pPr>
-          </a:lstStyle>
-          <a:p>
-            <a:pPr algn="ctr" eaLnBrk="1" hangingPunct="1"/>
-            <a:r>
-              <a:rPr lang="en-US" altLang="en-US" sz="900" dirty="0">
-                <a:solidFill>
-                  <a:schemeClr val="accent5"/>
-                </a:solidFill>
-                <a:latin typeface="Amazon Ember" panose="020B0603020204020204" pitchFamily="34" charset="0"/>
-                <a:ea typeface="Amazon Ember" panose="020B0603020204020204" pitchFamily="34" charset="0"/>
-                <a:cs typeface="Amazon Ember" panose="020B0603020204020204" pitchFamily="34" charset="0"/>
-              </a:rPr>
-              <a:t>VPC association</a:t>
-            </a:r>
-          </a:p>
-        </p:txBody>
-      </p:sp>
       <p:pic>
         <p:nvPicPr>
           <p:cNvPr id="21" name="Picture 20">
@@ -9701,7 +9467,7 @@
           <p:nvPr/>
         </p:nvPicPr>
         <p:blipFill>
-          <a:blip r:embed="rId14">
+          <a:blip r:embed="rId12">
             <a:extLst>
               <a:ext uri="{28A0092B-C50C-407E-A947-70E740481C1C}">
                 <a14:useLocalDpi xmlns:a14="http://schemas.microsoft.com/office/drawing/2010/main" val="0"/>
@@ -9898,7 +9664,7 @@
           <p:nvPr/>
         </p:nvPicPr>
         <p:blipFill>
-          <a:blip r:embed="rId12">
+          <a:blip r:embed="rId10">
             <a:extLst>
               <a:ext uri="{28A0092B-C50C-407E-A947-70E740481C1C}">
                 <a14:useLocalDpi xmlns:a14="http://schemas.microsoft.com/office/drawing/2010/main" val="0"/>
@@ -10317,6 +10083,76 @@
           </a:p>
         </p:txBody>
       </p:sp>
+      <p:pic>
+        <p:nvPicPr>
+          <p:cNvPr id="6" name="Graphic 5">
+            <a:extLst>
+              <a:ext uri="{FF2B5EF4-FFF2-40B4-BE49-F238E27FC236}">
+                <a16:creationId xmlns:a16="http://schemas.microsoft.com/office/drawing/2014/main" id="{A523D38C-FE2E-BD10-8249-403DB33C8E0E}"/>
+              </a:ext>
+            </a:extLst>
+          </p:cNvPr>
+          <p:cNvPicPr>
+            <a:picLocks noChangeAspect="1"/>
+          </p:cNvPicPr>
+          <p:nvPr/>
+        </p:nvPicPr>
+        <p:blipFill>
+          <a:blip r:embed="rId14">
+            <a:extLst>
+              <a:ext uri="{96DAC541-7B7A-43D3-8B79-37D633B846F1}">
+                <asvg:svgBlip xmlns:asvg="http://schemas.microsoft.com/office/drawing/2016/SVG/main" r:embed="rId15"/>
+              </a:ext>
+            </a:extLst>
+          </a:blip>
+          <a:srcRect/>
+          <a:stretch/>
+        </p:blipFill>
+        <p:spPr>
+          <a:xfrm>
+            <a:off x="959554" y="1449633"/>
+            <a:ext cx="381000" cy="381000"/>
+          </a:xfrm>
+          <a:prstGeom prst="rect">
+            <a:avLst/>
+          </a:prstGeom>
+        </p:spPr>
+      </p:pic>
+      <p:pic>
+        <p:nvPicPr>
+          <p:cNvPr id="12" name="Graphic 11">
+            <a:extLst>
+              <a:ext uri="{FF2B5EF4-FFF2-40B4-BE49-F238E27FC236}">
+                <a16:creationId xmlns:a16="http://schemas.microsoft.com/office/drawing/2014/main" id="{797DD50D-FAC9-F644-10BD-2404C277A4AD}"/>
+              </a:ext>
+            </a:extLst>
+          </p:cNvPr>
+          <p:cNvPicPr>
+            <a:picLocks noChangeAspect="1"/>
+          </p:cNvPicPr>
+          <p:nvPr/>
+        </p:nvPicPr>
+        <p:blipFill>
+          <a:blip r:embed="rId14">
+            <a:extLst>
+              <a:ext uri="{96DAC541-7B7A-43D3-8B79-37D633B846F1}">
+                <asvg:svgBlip xmlns:asvg="http://schemas.microsoft.com/office/drawing/2016/SVG/main" r:embed="rId15"/>
+              </a:ext>
+            </a:extLst>
+          </a:blip>
+          <a:srcRect/>
+          <a:stretch/>
+        </p:blipFill>
+        <p:spPr>
+          <a:xfrm>
+            <a:off x="959554" y="3690037"/>
+            <a:ext cx="381000" cy="381000"/>
+          </a:xfrm>
+          <a:prstGeom prst="rect">
+            <a:avLst/>
+          </a:prstGeom>
+        </p:spPr>
+      </p:pic>
     </p:spTree>
     <p:extLst>
       <p:ext uri="{BB962C8B-B14F-4D97-AF65-F5344CB8AC3E}">
